--- a/Диаграмма.pptx
+++ b/Диаграмма.pptx
@@ -290,7 +290,7 @@
             <a:fld id="{8467F278-B4BC-46A7-AD56-2DC84359E838}" type="datetimeFigureOut">
               <a:rPr lang="ru-RU" smtClean="0"/>
               <a:pPr/>
-              <a:t>02.01.2024</a:t>
+              <a:t>03.01.2024</a:t>
             </a:fld>
             <a:endParaRPr lang="ru-RU"/>
           </a:p>
@@ -457,7 +457,7 @@
             <a:fld id="{8467F278-B4BC-46A7-AD56-2DC84359E838}" type="datetimeFigureOut">
               <a:rPr lang="ru-RU" smtClean="0"/>
               <a:pPr/>
-              <a:t>02.01.2024</a:t>
+              <a:t>03.01.2024</a:t>
             </a:fld>
             <a:endParaRPr lang="ru-RU"/>
           </a:p>
@@ -634,7 +634,7 @@
             <a:fld id="{8467F278-B4BC-46A7-AD56-2DC84359E838}" type="datetimeFigureOut">
               <a:rPr lang="ru-RU" smtClean="0"/>
               <a:pPr/>
-              <a:t>02.01.2024</a:t>
+              <a:t>03.01.2024</a:t>
             </a:fld>
             <a:endParaRPr lang="ru-RU"/>
           </a:p>
@@ -801,7 +801,7 @@
             <a:fld id="{8467F278-B4BC-46A7-AD56-2DC84359E838}" type="datetimeFigureOut">
               <a:rPr lang="ru-RU" smtClean="0"/>
               <a:pPr/>
-              <a:t>02.01.2024</a:t>
+              <a:t>03.01.2024</a:t>
             </a:fld>
             <a:endParaRPr lang="ru-RU"/>
           </a:p>
@@ -1044,7 +1044,7 @@
             <a:fld id="{8467F278-B4BC-46A7-AD56-2DC84359E838}" type="datetimeFigureOut">
               <a:rPr lang="ru-RU" smtClean="0"/>
               <a:pPr/>
-              <a:t>02.01.2024</a:t>
+              <a:t>03.01.2024</a:t>
             </a:fld>
             <a:endParaRPr lang="ru-RU"/>
           </a:p>
@@ -1329,7 +1329,7 @@
             <a:fld id="{8467F278-B4BC-46A7-AD56-2DC84359E838}" type="datetimeFigureOut">
               <a:rPr lang="ru-RU" smtClean="0"/>
               <a:pPr/>
-              <a:t>02.01.2024</a:t>
+              <a:t>03.01.2024</a:t>
             </a:fld>
             <a:endParaRPr lang="ru-RU"/>
           </a:p>
@@ -1748,7 +1748,7 @@
             <a:fld id="{8467F278-B4BC-46A7-AD56-2DC84359E838}" type="datetimeFigureOut">
               <a:rPr lang="ru-RU" smtClean="0"/>
               <a:pPr/>
-              <a:t>02.01.2024</a:t>
+              <a:t>03.01.2024</a:t>
             </a:fld>
             <a:endParaRPr lang="ru-RU"/>
           </a:p>
@@ -1863,7 +1863,7 @@
             <a:fld id="{8467F278-B4BC-46A7-AD56-2DC84359E838}" type="datetimeFigureOut">
               <a:rPr lang="ru-RU" smtClean="0"/>
               <a:pPr/>
-              <a:t>02.01.2024</a:t>
+              <a:t>03.01.2024</a:t>
             </a:fld>
             <a:endParaRPr lang="ru-RU"/>
           </a:p>
@@ -1955,7 +1955,7 @@
             <a:fld id="{8467F278-B4BC-46A7-AD56-2DC84359E838}" type="datetimeFigureOut">
               <a:rPr lang="ru-RU" smtClean="0"/>
               <a:pPr/>
-              <a:t>02.01.2024</a:t>
+              <a:t>03.01.2024</a:t>
             </a:fld>
             <a:endParaRPr lang="ru-RU"/>
           </a:p>
@@ -2229,7 +2229,7 @@
             <a:fld id="{8467F278-B4BC-46A7-AD56-2DC84359E838}" type="datetimeFigureOut">
               <a:rPr lang="ru-RU" smtClean="0"/>
               <a:pPr/>
-              <a:t>02.01.2024</a:t>
+              <a:t>03.01.2024</a:t>
             </a:fld>
             <a:endParaRPr lang="ru-RU"/>
           </a:p>
@@ -2479,7 +2479,7 @@
             <a:fld id="{8467F278-B4BC-46A7-AD56-2DC84359E838}" type="datetimeFigureOut">
               <a:rPr lang="ru-RU" smtClean="0"/>
               <a:pPr/>
-              <a:t>02.01.2024</a:t>
+              <a:t>03.01.2024</a:t>
             </a:fld>
             <a:endParaRPr lang="ru-RU"/>
           </a:p>
@@ -2689,7 +2689,7 @@
             <a:fld id="{8467F278-B4BC-46A7-AD56-2DC84359E838}" type="datetimeFigureOut">
               <a:rPr lang="ru-RU" smtClean="0"/>
               <a:pPr/>
-              <a:t>02.01.2024</a:t>
+              <a:t>03.01.2024</a:t>
             </a:fld>
             <a:endParaRPr lang="ru-RU"/>
           </a:p>
@@ -4206,7 +4206,15 @@
                   <a:schemeClr val="tx1"/>
                 </a:solidFill>
               </a:rPr>
-              <a:t>вычисление</a:t>
+              <a:t>В</a:t>
+            </a:r>
+            <a:r>
+              <a:rPr lang="ru-RU" sz="800" dirty="0" smtClean="0">
+                <a:solidFill>
+                  <a:schemeClr val="tx1"/>
+                </a:solidFill>
+              </a:rPr>
+              <a:t>ычисление</a:t>
             </a:r>
             <a:endParaRPr lang="ru-RU" sz="800" dirty="0">
               <a:solidFill>
@@ -4500,7 +4508,15 @@
                   <a:schemeClr val="tx1"/>
                 </a:solidFill>
               </a:rPr>
-              <a:t>ошибка</a:t>
+              <a:t>О</a:t>
+            </a:r>
+            <a:r>
+              <a:rPr lang="ru-RU" sz="800" dirty="0" smtClean="0">
+                <a:solidFill>
+                  <a:schemeClr val="tx1"/>
+                </a:solidFill>
+              </a:rPr>
+              <a:t>шибка</a:t>
             </a:r>
             <a:endParaRPr lang="ru-RU" sz="800" dirty="0">
               <a:solidFill>
@@ -4560,7 +4576,15 @@
                   <a:schemeClr val="tx1"/>
                 </a:solidFill>
               </a:rPr>
-              <a:t>результат</a:t>
+              <a:t>Р</a:t>
+            </a:r>
+            <a:r>
+              <a:rPr lang="ru-RU" sz="800" dirty="0" smtClean="0">
+                <a:solidFill>
+                  <a:schemeClr val="tx1"/>
+                </a:solidFill>
+              </a:rPr>
+              <a:t>езультат</a:t>
             </a:r>
             <a:endParaRPr lang="ru-RU" sz="800" dirty="0">
               <a:solidFill>
@@ -5125,7 +5149,15 @@
                   <a:schemeClr val="tx1"/>
                 </a:solidFill>
               </a:rPr>
-              <a:t>вычисление</a:t>
+              <a:t>В</a:t>
+            </a:r>
+            <a:r>
+              <a:rPr lang="ru-RU" sz="800" dirty="0" smtClean="0">
+                <a:solidFill>
+                  <a:schemeClr val="tx1"/>
+                </a:solidFill>
+              </a:rPr>
+              <a:t>ычисление</a:t>
             </a:r>
             <a:endParaRPr lang="ru-RU" sz="800" dirty="0">
               <a:solidFill>
@@ -5185,7 +5217,15 @@
                   <a:schemeClr val="tx1"/>
                 </a:solidFill>
               </a:rPr>
-              <a:t>ошибка</a:t>
+              <a:t>О</a:t>
+            </a:r>
+            <a:r>
+              <a:rPr lang="ru-RU" sz="800" dirty="0" smtClean="0">
+                <a:solidFill>
+                  <a:schemeClr val="tx1"/>
+                </a:solidFill>
+              </a:rPr>
+              <a:t>шибка</a:t>
             </a:r>
             <a:endParaRPr lang="ru-RU" sz="800" dirty="0">
               <a:solidFill>
@@ -5245,7 +5285,15 @@
                   <a:schemeClr val="tx1"/>
                 </a:solidFill>
               </a:rPr>
-              <a:t>результат</a:t>
+              <a:t>Р</a:t>
+            </a:r>
+            <a:r>
+              <a:rPr lang="ru-RU" sz="800" dirty="0" smtClean="0">
+                <a:solidFill>
+                  <a:schemeClr val="tx1"/>
+                </a:solidFill>
+              </a:rPr>
+              <a:t>езультат</a:t>
             </a:r>
             <a:endParaRPr lang="ru-RU" sz="800" dirty="0">
               <a:solidFill>
@@ -5693,20 +5741,12 @@
           <a:p>
             <a:pPr algn="ctr"/>
             <a:r>
-              <a:rPr lang="ru-RU" sz="800" dirty="0">
-                <a:solidFill>
-                  <a:schemeClr val="tx1"/>
-                </a:solidFill>
-              </a:rPr>
-              <a:t>Р</a:t>
-            </a:r>
-            <a:r>
               <a:rPr lang="ru-RU" sz="800" dirty="0" smtClean="0">
                 <a:solidFill>
                   <a:schemeClr val="tx1"/>
                 </a:solidFill>
               </a:rPr>
-              <a:t>езультат</a:t>
+              <a:t>Ошибка</a:t>
             </a:r>
             <a:endParaRPr lang="ru-RU" sz="800" dirty="0">
               <a:solidFill>
@@ -5807,6 +5847,305 @@
           <a:xfrm flipV="1">
             <a:off x="5429256" y="478061"/>
             <a:ext cx="214314" cy="428628"/>
+          </a:xfrm>
+          <a:prstGeom prst="straightConnector1">
+            <a:avLst/>
+          </a:prstGeom>
+          <a:ln>
+            <a:solidFill>
+              <a:schemeClr val="tx1"/>
+            </a:solidFill>
+            <a:tailEnd type="arrow"/>
+          </a:ln>
+        </p:spPr>
+        <p:style>
+          <a:lnRef idx="1">
+            <a:schemeClr val="accent1"/>
+          </a:lnRef>
+          <a:fillRef idx="0">
+            <a:schemeClr val="accent1"/>
+          </a:fillRef>
+          <a:effectRef idx="0">
+            <a:schemeClr val="accent1"/>
+          </a:effectRef>
+          <a:fontRef idx="minor">
+            <a:schemeClr val="tx1"/>
+          </a:fontRef>
+        </p:style>
+      </p:cxnSp>
+      <p:sp>
+        <p:nvSpPr>
+          <p:cNvPr id="57" name="Овал 56"/>
+          <p:cNvSpPr/>
+          <p:nvPr/>
+        </p:nvSpPr>
+        <p:spPr>
+          <a:xfrm>
+            <a:off x="5643570" y="1000108"/>
+            <a:ext cx="1071570" cy="384666"/>
+          </a:xfrm>
+          <a:prstGeom prst="ellipse">
+            <a:avLst/>
+          </a:prstGeom>
+          <a:solidFill>
+            <a:schemeClr val="bg1"/>
+          </a:solidFill>
+          <a:ln>
+            <a:solidFill>
+              <a:schemeClr val="tx1"/>
+            </a:solidFill>
+          </a:ln>
+        </p:spPr>
+        <p:style>
+          <a:lnRef idx="2">
+            <a:schemeClr val="accent1">
+              <a:shade val="50000"/>
+            </a:schemeClr>
+          </a:lnRef>
+          <a:fillRef idx="1">
+            <a:schemeClr val="accent1"/>
+          </a:fillRef>
+          <a:effectRef idx="0">
+            <a:schemeClr val="accent1"/>
+          </a:effectRef>
+          <a:fontRef idx="minor">
+            <a:schemeClr val="lt1"/>
+          </a:fontRef>
+        </p:style>
+        <p:txBody>
+          <a:bodyPr rtlCol="0" anchor="ctr"/>
+          <a:lstStyle/>
+          <a:p>
+            <a:pPr algn="ctr"/>
+            <a:r>
+              <a:rPr lang="ru-RU" sz="800" dirty="0" smtClean="0">
+                <a:solidFill>
+                  <a:schemeClr val="tx1"/>
+                </a:solidFill>
+              </a:rPr>
+              <a:t>Результат</a:t>
+            </a:r>
+            <a:endParaRPr lang="ru-RU" sz="800" dirty="0">
+              <a:solidFill>
+                <a:schemeClr val="tx1"/>
+              </a:solidFill>
+            </a:endParaRPr>
+          </a:p>
+        </p:txBody>
+      </p:sp>
+      <p:cxnSp>
+        <p:nvCxnSpPr>
+          <p:cNvPr id="58" name="Прямая со стрелкой 57"/>
+          <p:cNvCxnSpPr>
+            <a:stCxn id="207" idx="6"/>
+            <a:endCxn id="57" idx="2"/>
+          </p:cNvCxnSpPr>
+          <p:nvPr/>
+        </p:nvCxnSpPr>
+        <p:spPr>
+          <a:xfrm>
+            <a:off x="5429256" y="906689"/>
+            <a:ext cx="214314" cy="285752"/>
+          </a:xfrm>
+          <a:prstGeom prst="straightConnector1">
+            <a:avLst/>
+          </a:prstGeom>
+          <a:ln>
+            <a:solidFill>
+              <a:schemeClr val="tx1"/>
+            </a:solidFill>
+            <a:tailEnd type="arrow"/>
+          </a:ln>
+        </p:spPr>
+        <p:style>
+          <a:lnRef idx="1">
+            <a:schemeClr val="accent1"/>
+          </a:lnRef>
+          <a:fillRef idx="0">
+            <a:schemeClr val="accent1"/>
+          </a:fillRef>
+          <a:effectRef idx="0">
+            <a:schemeClr val="accent1"/>
+          </a:effectRef>
+          <a:fontRef idx="minor">
+            <a:schemeClr val="tx1"/>
+          </a:fontRef>
+        </p:style>
+      </p:cxnSp>
+      <p:sp>
+        <p:nvSpPr>
+          <p:cNvPr id="62" name="Овал 61"/>
+          <p:cNvSpPr/>
+          <p:nvPr/>
+        </p:nvSpPr>
+        <p:spPr>
+          <a:xfrm>
+            <a:off x="642910" y="1357298"/>
+            <a:ext cx="142876" cy="142876"/>
+          </a:xfrm>
+          <a:prstGeom prst="ellipse">
+            <a:avLst/>
+          </a:prstGeom>
+        </p:spPr>
+        <p:style>
+          <a:lnRef idx="2">
+            <a:schemeClr val="dk1"/>
+          </a:lnRef>
+          <a:fillRef idx="1">
+            <a:schemeClr val="lt1"/>
+          </a:fillRef>
+          <a:effectRef idx="0">
+            <a:schemeClr val="dk1"/>
+          </a:effectRef>
+          <a:fontRef idx="minor">
+            <a:schemeClr val="dk1"/>
+          </a:fontRef>
+        </p:style>
+        <p:txBody>
+          <a:bodyPr rtlCol="0" anchor="ctr"/>
+          <a:lstStyle/>
+          <a:p>
+            <a:pPr algn="ctr"/>
+            <a:endParaRPr lang="ru-RU"/>
+          </a:p>
+        </p:txBody>
+      </p:sp>
+      <p:cxnSp>
+        <p:nvCxnSpPr>
+          <p:cNvPr id="64" name="Прямая соединительная линия 63"/>
+          <p:cNvCxnSpPr>
+            <a:stCxn id="62" idx="4"/>
+          </p:cNvCxnSpPr>
+          <p:nvPr/>
+        </p:nvCxnSpPr>
+        <p:spPr>
+          <a:xfrm rot="5400000">
+            <a:off x="607191" y="1607331"/>
+            <a:ext cx="214314" cy="1588"/>
+          </a:xfrm>
+          <a:prstGeom prst="line">
+            <a:avLst/>
+          </a:prstGeom>
+          <a:ln w="28575"/>
+        </p:spPr>
+        <p:style>
+          <a:lnRef idx="1">
+            <a:schemeClr val="accent1"/>
+          </a:lnRef>
+          <a:fillRef idx="0">
+            <a:schemeClr val="accent1"/>
+          </a:fillRef>
+          <a:effectRef idx="0">
+            <a:schemeClr val="accent1"/>
+          </a:effectRef>
+          <a:fontRef idx="minor">
+            <a:schemeClr val="tx1"/>
+          </a:fontRef>
+        </p:style>
+      </p:cxnSp>
+      <p:cxnSp>
+        <p:nvCxnSpPr>
+          <p:cNvPr id="66" name="Прямая соединительная линия 65"/>
+          <p:cNvCxnSpPr/>
+          <p:nvPr/>
+        </p:nvCxnSpPr>
+        <p:spPr>
+          <a:xfrm>
+            <a:off x="571472" y="1571612"/>
+            <a:ext cx="285752" cy="1588"/>
+          </a:xfrm>
+          <a:prstGeom prst="line">
+            <a:avLst/>
+          </a:prstGeom>
+          <a:ln w="28575"/>
+        </p:spPr>
+        <p:style>
+          <a:lnRef idx="1">
+            <a:schemeClr val="accent1"/>
+          </a:lnRef>
+          <a:fillRef idx="0">
+            <a:schemeClr val="accent1"/>
+          </a:fillRef>
+          <a:effectRef idx="0">
+            <a:schemeClr val="accent1"/>
+          </a:effectRef>
+          <a:fontRef idx="minor">
+            <a:schemeClr val="tx1"/>
+          </a:fontRef>
+        </p:style>
+      </p:cxnSp>
+      <p:cxnSp>
+        <p:nvCxnSpPr>
+          <p:cNvPr id="68" name="Прямая соединительная линия 67"/>
+          <p:cNvCxnSpPr/>
+          <p:nvPr/>
+        </p:nvCxnSpPr>
+        <p:spPr>
+          <a:xfrm rot="16200000" flipH="1">
+            <a:off x="642910" y="1785926"/>
+            <a:ext cx="214314" cy="71438"/>
+          </a:xfrm>
+          <a:prstGeom prst="line">
+            <a:avLst/>
+          </a:prstGeom>
+          <a:ln w="28575"/>
+        </p:spPr>
+        <p:style>
+          <a:lnRef idx="1">
+            <a:schemeClr val="accent1"/>
+          </a:lnRef>
+          <a:fillRef idx="0">
+            <a:schemeClr val="accent1"/>
+          </a:fillRef>
+          <a:effectRef idx="0">
+            <a:schemeClr val="accent1"/>
+          </a:effectRef>
+          <a:fontRef idx="minor">
+            <a:schemeClr val="tx1"/>
+          </a:fontRef>
+        </p:style>
+      </p:cxnSp>
+      <p:cxnSp>
+        <p:nvCxnSpPr>
+          <p:cNvPr id="70" name="Прямая соединительная линия 69"/>
+          <p:cNvCxnSpPr/>
+          <p:nvPr/>
+        </p:nvCxnSpPr>
+        <p:spPr>
+          <a:xfrm rot="5400000">
+            <a:off x="571472" y="1785926"/>
+            <a:ext cx="214314" cy="71438"/>
+          </a:xfrm>
+          <a:prstGeom prst="line">
+            <a:avLst/>
+          </a:prstGeom>
+          <a:ln w="28575"/>
+        </p:spPr>
+        <p:style>
+          <a:lnRef idx="1">
+            <a:schemeClr val="accent1"/>
+          </a:lnRef>
+          <a:fillRef idx="0">
+            <a:schemeClr val="accent1"/>
+          </a:fillRef>
+          <a:effectRef idx="0">
+            <a:schemeClr val="accent1"/>
+          </a:effectRef>
+          <a:fontRef idx="minor">
+            <a:schemeClr val="tx1"/>
+          </a:fontRef>
+        </p:style>
+      </p:cxnSp>
+      <p:cxnSp>
+        <p:nvCxnSpPr>
+          <p:cNvPr id="83" name="Прямая со стрелкой 82"/>
+          <p:cNvCxnSpPr/>
+          <p:nvPr/>
+        </p:nvCxnSpPr>
+        <p:spPr>
+          <a:xfrm>
+            <a:off x="785786" y="857232"/>
+            <a:ext cx="1143008" cy="1588"/>
           </a:xfrm>
           <a:prstGeom prst="straightConnector1">
             <a:avLst/>
